--- a/hackathon showcasing presentation template.pptx
+++ b/hackathon showcasing presentation template.pptx
@@ -10,7 +10,12 @@
     <p:sldId id="260" r:id="rId4"/>
     <p:sldId id="261" r:id="rId5"/>
     <p:sldId id="258" r:id="rId6"/>
-    <p:sldId id="259" r:id="rId7"/>
+    <p:sldId id="262" r:id="rId7"/>
+    <p:sldId id="263" r:id="rId8"/>
+    <p:sldId id="264" r:id="rId9"/>
+    <p:sldId id="266" r:id="rId10"/>
+    <p:sldId id="265" r:id="rId11"/>
+    <p:sldId id="259" r:id="rId12"/>
   </p:sldIdLst>
   <p:sldSz cx="12192000" cy="6858000"/>
   <p:notesSz cx="6858000" cy="9144000"/>
@@ -159,10 +164,9 @@
           </a:lstStyle>
           <a:p>
             <a:r>
-              <a:rPr lang="en-US" smtClean="0"/>
+              <a:rPr lang="en-US"/>
               <a:t>Click to edit Master title style</a:t>
             </a:r>
-            <a:endParaRPr lang="en-US"/>
           </a:p>
         </p:txBody>
       </p:sp>
@@ -224,10 +228,9 @@
           </a:lstStyle>
           <a:p>
             <a:r>
-              <a:rPr lang="en-US" smtClean="0"/>
+              <a:rPr lang="en-US"/>
               <a:t>Click to edit Master subtitle style</a:t>
             </a:r>
-            <a:endParaRPr lang="en-US"/>
           </a:p>
         </p:txBody>
       </p:sp>
@@ -248,7 +251,7 @@
           <a:p>
             <a:fld id="{BA9FF27D-2AED-41EB-8EEF-71F113334AB9}" type="datetimeFigureOut">
               <a:rPr lang="en-US" smtClean="0"/>
-              <a:t>3/3/17</a:t>
+              <a:t>3/3/2017</a:t>
             </a:fld>
             <a:endParaRPr lang="en-US"/>
           </a:p>
@@ -336,13 +339,6 @@
   <p:clrMapOvr>
     <a:masterClrMapping/>
   </p:clrMapOvr>
-  <p:timing>
-    <p:tnLst>
-      <p:par>
-        <p:cTn id="1" dur="indefinite" restart="never" nodeType="tmRoot"/>
-      </p:par>
-    </p:tnLst>
-  </p:timing>
 </p:sldLayout>
 </file>
 
@@ -379,10 +375,9 @@
           <a:lstStyle/>
           <a:p>
             <a:r>
-              <a:rPr lang="en-US" smtClean="0"/>
+              <a:rPr lang="en-US"/>
               <a:t>Click to edit Master title style</a:t>
             </a:r>
-            <a:endParaRPr lang="en-US"/>
           </a:p>
         </p:txBody>
       </p:sp>
@@ -403,38 +398,37 @@
           <a:p>
             <a:pPr lvl="0"/>
             <a:r>
-              <a:rPr lang="en-US" smtClean="0"/>
+              <a:rPr lang="en-US"/>
               <a:t>Click to edit Master text styles</a:t>
             </a:r>
           </a:p>
           <a:p>
             <a:pPr lvl="1"/>
             <a:r>
-              <a:rPr lang="en-US" smtClean="0"/>
+              <a:rPr lang="en-US"/>
               <a:t>Second level</a:t>
             </a:r>
           </a:p>
           <a:p>
             <a:pPr lvl="2"/>
             <a:r>
-              <a:rPr lang="en-US" smtClean="0"/>
+              <a:rPr lang="en-US"/>
               <a:t>Third level</a:t>
             </a:r>
           </a:p>
           <a:p>
             <a:pPr lvl="3"/>
             <a:r>
-              <a:rPr lang="en-US" smtClean="0"/>
+              <a:rPr lang="en-US"/>
               <a:t>Fourth level</a:t>
             </a:r>
           </a:p>
           <a:p>
             <a:pPr lvl="4"/>
             <a:r>
-              <a:rPr lang="en-US" smtClean="0"/>
+              <a:rPr lang="en-US"/>
               <a:t>Fifth level</a:t>
             </a:r>
-            <a:endParaRPr lang="en-US"/>
           </a:p>
         </p:txBody>
       </p:sp>
@@ -455,7 +449,7 @@
           <a:p>
             <a:fld id="{BA9FF27D-2AED-41EB-8EEF-71F113334AB9}" type="datetimeFigureOut">
               <a:rPr lang="en-US" smtClean="0"/>
-              <a:t>3/3/17</a:t>
+              <a:t>3/3/2017</a:t>
             </a:fld>
             <a:endParaRPr lang="en-US"/>
           </a:p>
@@ -554,10 +548,9 @@
           <a:lstStyle/>
           <a:p>
             <a:r>
-              <a:rPr lang="en-US" smtClean="0"/>
+              <a:rPr lang="en-US"/>
               <a:t>Click to edit Master title style</a:t>
             </a:r>
-            <a:endParaRPr lang="en-US"/>
           </a:p>
         </p:txBody>
       </p:sp>
@@ -583,38 +576,37 @@
           <a:p>
             <a:pPr lvl="0"/>
             <a:r>
-              <a:rPr lang="en-US" smtClean="0"/>
+              <a:rPr lang="en-US"/>
               <a:t>Click to edit Master text styles</a:t>
             </a:r>
           </a:p>
           <a:p>
             <a:pPr lvl="1"/>
             <a:r>
-              <a:rPr lang="en-US" smtClean="0"/>
+              <a:rPr lang="en-US"/>
               <a:t>Second level</a:t>
             </a:r>
           </a:p>
           <a:p>
             <a:pPr lvl="2"/>
             <a:r>
-              <a:rPr lang="en-US" smtClean="0"/>
+              <a:rPr lang="en-US"/>
               <a:t>Third level</a:t>
             </a:r>
           </a:p>
           <a:p>
             <a:pPr lvl="3"/>
             <a:r>
-              <a:rPr lang="en-US" smtClean="0"/>
+              <a:rPr lang="en-US"/>
               <a:t>Fourth level</a:t>
             </a:r>
           </a:p>
           <a:p>
             <a:pPr lvl="4"/>
             <a:r>
-              <a:rPr lang="en-US" smtClean="0"/>
+              <a:rPr lang="en-US"/>
               <a:t>Fifth level</a:t>
             </a:r>
-            <a:endParaRPr lang="en-US"/>
           </a:p>
         </p:txBody>
       </p:sp>
@@ -635,7 +627,7 @@
           <a:p>
             <a:fld id="{BA9FF27D-2AED-41EB-8EEF-71F113334AB9}" type="datetimeFigureOut">
               <a:rPr lang="en-US" smtClean="0"/>
-              <a:t>3/3/17</a:t>
+              <a:t>3/3/2017</a:t>
             </a:fld>
             <a:endParaRPr lang="en-US"/>
           </a:p>
@@ -729,10 +721,9 @@
           <a:lstStyle/>
           <a:p>
             <a:r>
-              <a:rPr lang="en-US" smtClean="0"/>
+              <a:rPr lang="en-US"/>
               <a:t>Click to edit Master title style</a:t>
             </a:r>
-            <a:endParaRPr lang="en-US"/>
           </a:p>
         </p:txBody>
       </p:sp>
@@ -753,38 +744,37 @@
           <a:p>
             <a:pPr lvl="0"/>
             <a:r>
-              <a:rPr lang="en-US" smtClean="0"/>
+              <a:rPr lang="en-US"/>
               <a:t>Click to edit Master text styles</a:t>
             </a:r>
           </a:p>
           <a:p>
             <a:pPr lvl="1"/>
             <a:r>
-              <a:rPr lang="en-US" smtClean="0"/>
+              <a:rPr lang="en-US"/>
               <a:t>Second level</a:t>
             </a:r>
           </a:p>
           <a:p>
             <a:pPr lvl="2"/>
             <a:r>
-              <a:rPr lang="en-US" smtClean="0"/>
+              <a:rPr lang="en-US"/>
               <a:t>Third level</a:t>
             </a:r>
           </a:p>
           <a:p>
             <a:pPr lvl="3"/>
             <a:r>
-              <a:rPr lang="en-US" smtClean="0"/>
+              <a:rPr lang="en-US"/>
               <a:t>Fourth level</a:t>
             </a:r>
           </a:p>
           <a:p>
             <a:pPr lvl="4"/>
             <a:r>
-              <a:rPr lang="en-US" smtClean="0"/>
+              <a:rPr lang="en-US"/>
               <a:t>Fifth level</a:t>
             </a:r>
-            <a:endParaRPr lang="en-US"/>
           </a:p>
         </p:txBody>
       </p:sp>
@@ -805,7 +795,7 @@
           <a:p>
             <a:fld id="{BA9FF27D-2AED-41EB-8EEF-71F113334AB9}" type="datetimeFigureOut">
               <a:rPr lang="en-US" smtClean="0"/>
-              <a:t>3/3/17</a:t>
+              <a:t>3/3/2017</a:t>
             </a:fld>
             <a:endParaRPr lang="en-US"/>
           </a:p>
@@ -924,13 +914,6 @@
   <p:clrMapOvr>
     <a:masterClrMapping/>
   </p:clrMapOvr>
-  <p:timing>
-    <p:tnLst>
-      <p:par>
-        <p:cTn id="1" dur="indefinite" restart="never" nodeType="tmRoot"/>
-      </p:par>
-    </p:tnLst>
-  </p:timing>
 </p:sldLayout>
 </file>
 
@@ -976,10 +959,9 @@
           </a:lstStyle>
           <a:p>
             <a:r>
-              <a:rPr lang="en-US" smtClean="0"/>
+              <a:rPr lang="en-US"/>
               <a:t>Click to edit Master title style</a:t>
             </a:r>
-            <a:endParaRPr lang="en-US"/>
           </a:p>
         </p:txBody>
       </p:sp>
@@ -1096,7 +1078,7 @@
           <a:p>
             <a:pPr lvl="0"/>
             <a:r>
-              <a:rPr lang="en-US" smtClean="0"/>
+              <a:rPr lang="en-US"/>
               <a:t>Click to edit Master text styles</a:t>
             </a:r>
           </a:p>
@@ -1119,7 +1101,7 @@
           <a:p>
             <a:fld id="{BA9FF27D-2AED-41EB-8EEF-71F113334AB9}" type="datetimeFigureOut">
               <a:rPr lang="en-US" smtClean="0"/>
-              <a:t>3/3/17</a:t>
+              <a:t>3/3/2017</a:t>
             </a:fld>
             <a:endParaRPr lang="en-US"/>
           </a:p>
@@ -1207,13 +1189,6 @@
   <p:clrMapOvr>
     <a:masterClrMapping/>
   </p:clrMapOvr>
-  <p:timing>
-    <p:tnLst>
-      <p:par>
-        <p:cTn id="1" dur="indefinite" restart="never" nodeType="tmRoot"/>
-      </p:par>
-    </p:tnLst>
-  </p:timing>
 </p:sldLayout>
 </file>
 
@@ -1250,10 +1225,9 @@
           <a:lstStyle/>
           <a:p>
             <a:r>
-              <a:rPr lang="en-US" smtClean="0"/>
+              <a:rPr lang="en-US"/>
               <a:t>Click to edit Master title style</a:t>
             </a:r>
-            <a:endParaRPr lang="en-US"/>
           </a:p>
         </p:txBody>
       </p:sp>
@@ -1279,38 +1253,37 @@
           <a:p>
             <a:pPr lvl="0"/>
             <a:r>
-              <a:rPr lang="en-US" smtClean="0"/>
+              <a:rPr lang="en-US"/>
               <a:t>Click to edit Master text styles</a:t>
             </a:r>
           </a:p>
           <a:p>
             <a:pPr lvl="1"/>
             <a:r>
-              <a:rPr lang="en-US" smtClean="0"/>
+              <a:rPr lang="en-US"/>
               <a:t>Second level</a:t>
             </a:r>
           </a:p>
           <a:p>
             <a:pPr lvl="2"/>
             <a:r>
-              <a:rPr lang="en-US" smtClean="0"/>
+              <a:rPr lang="en-US"/>
               <a:t>Third level</a:t>
             </a:r>
           </a:p>
           <a:p>
             <a:pPr lvl="3"/>
             <a:r>
-              <a:rPr lang="en-US" smtClean="0"/>
+              <a:rPr lang="en-US"/>
               <a:t>Fourth level</a:t>
             </a:r>
           </a:p>
           <a:p>
             <a:pPr lvl="4"/>
             <a:r>
-              <a:rPr lang="en-US" smtClean="0"/>
+              <a:rPr lang="en-US"/>
               <a:t>Fifth level</a:t>
             </a:r>
-            <a:endParaRPr lang="en-US"/>
           </a:p>
         </p:txBody>
       </p:sp>
@@ -1336,38 +1309,37 @@
           <a:p>
             <a:pPr lvl="0"/>
             <a:r>
-              <a:rPr lang="en-US" smtClean="0"/>
+              <a:rPr lang="en-US"/>
               <a:t>Click to edit Master text styles</a:t>
             </a:r>
           </a:p>
           <a:p>
             <a:pPr lvl="1"/>
             <a:r>
-              <a:rPr lang="en-US" smtClean="0"/>
+              <a:rPr lang="en-US"/>
               <a:t>Second level</a:t>
             </a:r>
           </a:p>
           <a:p>
             <a:pPr lvl="2"/>
             <a:r>
-              <a:rPr lang="en-US" smtClean="0"/>
+              <a:rPr lang="en-US"/>
               <a:t>Third level</a:t>
             </a:r>
           </a:p>
           <a:p>
             <a:pPr lvl="3"/>
             <a:r>
-              <a:rPr lang="en-US" smtClean="0"/>
+              <a:rPr lang="en-US"/>
               <a:t>Fourth level</a:t>
             </a:r>
           </a:p>
           <a:p>
             <a:pPr lvl="4"/>
             <a:r>
-              <a:rPr lang="en-US" smtClean="0"/>
+              <a:rPr lang="en-US"/>
               <a:t>Fifth level</a:t>
             </a:r>
-            <a:endParaRPr lang="en-US"/>
           </a:p>
         </p:txBody>
       </p:sp>
@@ -1388,7 +1360,7 @@
           <a:p>
             <a:fld id="{BA9FF27D-2AED-41EB-8EEF-71F113334AB9}" type="datetimeFigureOut">
               <a:rPr lang="en-US" smtClean="0"/>
-              <a:t>3/3/17</a:t>
+              <a:t>3/3/2017</a:t>
             </a:fld>
             <a:endParaRPr lang="en-US"/>
           </a:p>
@@ -1507,13 +1479,6 @@
   <p:clrMapOvr>
     <a:masterClrMapping/>
   </p:clrMapOvr>
-  <p:timing>
-    <p:tnLst>
-      <p:par>
-        <p:cTn id="1" dur="indefinite" restart="never" nodeType="tmRoot"/>
-      </p:par>
-    </p:tnLst>
-  </p:timing>
 </p:sldLayout>
 </file>
 
@@ -1555,10 +1520,9 @@
           <a:lstStyle/>
           <a:p>
             <a:r>
-              <a:rPr lang="en-US" smtClean="0"/>
+              <a:rPr lang="en-US"/>
               <a:t>Click to edit Master title style</a:t>
             </a:r>
-            <a:endParaRPr lang="en-US"/>
           </a:p>
         </p:txBody>
       </p:sp>
@@ -1621,7 +1585,7 @@
           <a:p>
             <a:pPr lvl="0"/>
             <a:r>
-              <a:rPr lang="en-US" smtClean="0"/>
+              <a:rPr lang="en-US"/>
               <a:t>Click to edit Master text styles</a:t>
             </a:r>
           </a:p>
@@ -1649,38 +1613,37 @@
           <a:p>
             <a:pPr lvl="0"/>
             <a:r>
-              <a:rPr lang="en-US" smtClean="0"/>
+              <a:rPr lang="en-US"/>
               <a:t>Click to edit Master text styles</a:t>
             </a:r>
           </a:p>
           <a:p>
             <a:pPr lvl="1"/>
             <a:r>
-              <a:rPr lang="en-US" smtClean="0"/>
+              <a:rPr lang="en-US"/>
               <a:t>Second level</a:t>
             </a:r>
           </a:p>
           <a:p>
             <a:pPr lvl="2"/>
             <a:r>
-              <a:rPr lang="en-US" smtClean="0"/>
+              <a:rPr lang="en-US"/>
               <a:t>Third level</a:t>
             </a:r>
           </a:p>
           <a:p>
             <a:pPr lvl="3"/>
             <a:r>
-              <a:rPr lang="en-US" smtClean="0"/>
+              <a:rPr lang="en-US"/>
               <a:t>Fourth level</a:t>
             </a:r>
           </a:p>
           <a:p>
             <a:pPr lvl="4"/>
             <a:r>
-              <a:rPr lang="en-US" smtClean="0"/>
+              <a:rPr lang="en-US"/>
               <a:t>Fifth level</a:t>
             </a:r>
-            <a:endParaRPr lang="en-US"/>
           </a:p>
         </p:txBody>
       </p:sp>
@@ -1743,7 +1706,7 @@
           <a:p>
             <a:pPr lvl="0"/>
             <a:r>
-              <a:rPr lang="en-US" smtClean="0"/>
+              <a:rPr lang="en-US"/>
               <a:t>Click to edit Master text styles</a:t>
             </a:r>
           </a:p>
@@ -1771,38 +1734,37 @@
           <a:p>
             <a:pPr lvl="0"/>
             <a:r>
-              <a:rPr lang="en-US" smtClean="0"/>
+              <a:rPr lang="en-US"/>
               <a:t>Click to edit Master text styles</a:t>
             </a:r>
           </a:p>
           <a:p>
             <a:pPr lvl="1"/>
             <a:r>
-              <a:rPr lang="en-US" smtClean="0"/>
+              <a:rPr lang="en-US"/>
               <a:t>Second level</a:t>
             </a:r>
           </a:p>
           <a:p>
             <a:pPr lvl="2"/>
             <a:r>
-              <a:rPr lang="en-US" smtClean="0"/>
+              <a:rPr lang="en-US"/>
               <a:t>Third level</a:t>
             </a:r>
           </a:p>
           <a:p>
             <a:pPr lvl="3"/>
             <a:r>
-              <a:rPr lang="en-US" smtClean="0"/>
+              <a:rPr lang="en-US"/>
               <a:t>Fourth level</a:t>
             </a:r>
           </a:p>
           <a:p>
             <a:pPr lvl="4"/>
             <a:r>
-              <a:rPr lang="en-US" smtClean="0"/>
+              <a:rPr lang="en-US"/>
               <a:t>Fifth level</a:t>
             </a:r>
-            <a:endParaRPr lang="en-US"/>
           </a:p>
         </p:txBody>
       </p:sp>
@@ -1823,7 +1785,7 @@
           <a:p>
             <a:fld id="{BA9FF27D-2AED-41EB-8EEF-71F113334AB9}" type="datetimeFigureOut">
               <a:rPr lang="en-US" smtClean="0"/>
-              <a:t>3/3/17</a:t>
+              <a:t>3/3/2017</a:t>
             </a:fld>
             <a:endParaRPr lang="en-US"/>
           </a:p>
@@ -1881,13 +1843,6 @@
   <p:clrMapOvr>
     <a:masterClrMapping/>
   </p:clrMapOvr>
-  <p:timing>
-    <p:tnLst>
-      <p:par>
-        <p:cTn id="1" dur="indefinite" restart="never" nodeType="tmRoot"/>
-      </p:par>
-    </p:tnLst>
-  </p:timing>
 </p:sldLayout>
 </file>
 
@@ -1924,10 +1879,9 @@
           <a:lstStyle/>
           <a:p>
             <a:r>
-              <a:rPr lang="en-US" smtClean="0"/>
+              <a:rPr lang="en-US"/>
               <a:t>Click to edit Master title style</a:t>
             </a:r>
-            <a:endParaRPr lang="en-US"/>
           </a:p>
         </p:txBody>
       </p:sp>
@@ -1948,7 +1902,7 @@
           <a:p>
             <a:fld id="{BA9FF27D-2AED-41EB-8EEF-71F113334AB9}" type="datetimeFigureOut">
               <a:rPr lang="en-US" smtClean="0"/>
-              <a:t>3/3/17</a:t>
+              <a:t>3/3/2017</a:t>
             </a:fld>
             <a:endParaRPr lang="en-US"/>
           </a:p>
@@ -2043,7 +1997,7 @@
           <a:p>
             <a:fld id="{BA9FF27D-2AED-41EB-8EEF-71F113334AB9}" type="datetimeFigureOut">
               <a:rPr lang="en-US" smtClean="0"/>
-              <a:t>3/3/17</a:t>
+              <a:t>3/3/2017</a:t>
             </a:fld>
             <a:endParaRPr lang="en-US"/>
           </a:p>
@@ -2146,10 +2100,9 @@
           </a:lstStyle>
           <a:p>
             <a:r>
-              <a:rPr lang="en-US" smtClean="0"/>
+              <a:rPr lang="en-US"/>
               <a:t>Click to edit Master title style</a:t>
             </a:r>
-            <a:endParaRPr lang="en-US"/>
           </a:p>
         </p:txBody>
       </p:sp>
@@ -2203,38 +2156,37 @@
           <a:p>
             <a:pPr lvl="0"/>
             <a:r>
-              <a:rPr lang="en-US" smtClean="0"/>
+              <a:rPr lang="en-US"/>
               <a:t>Click to edit Master text styles</a:t>
             </a:r>
           </a:p>
           <a:p>
             <a:pPr lvl="1"/>
             <a:r>
-              <a:rPr lang="en-US" smtClean="0"/>
+              <a:rPr lang="en-US"/>
               <a:t>Second level</a:t>
             </a:r>
           </a:p>
           <a:p>
             <a:pPr lvl="2"/>
             <a:r>
-              <a:rPr lang="en-US" smtClean="0"/>
+              <a:rPr lang="en-US"/>
               <a:t>Third level</a:t>
             </a:r>
           </a:p>
           <a:p>
             <a:pPr lvl="3"/>
             <a:r>
-              <a:rPr lang="en-US" smtClean="0"/>
+              <a:rPr lang="en-US"/>
               <a:t>Fourth level</a:t>
             </a:r>
           </a:p>
           <a:p>
             <a:pPr lvl="4"/>
             <a:r>
-              <a:rPr lang="en-US" smtClean="0"/>
+              <a:rPr lang="en-US"/>
               <a:t>Fifth level</a:t>
             </a:r>
-            <a:endParaRPr lang="en-US"/>
           </a:p>
         </p:txBody>
       </p:sp>
@@ -2297,7 +2249,7 @@
           <a:p>
             <a:pPr lvl="0"/>
             <a:r>
-              <a:rPr lang="en-US" smtClean="0"/>
+              <a:rPr lang="en-US"/>
               <a:t>Click to edit Master text styles</a:t>
             </a:r>
           </a:p>
@@ -2320,7 +2272,7 @@
           <a:p>
             <a:fld id="{BA9FF27D-2AED-41EB-8EEF-71F113334AB9}" type="datetimeFigureOut">
               <a:rPr lang="en-US" smtClean="0"/>
-              <a:t>3/3/17</a:t>
+              <a:t>3/3/2017</a:t>
             </a:fld>
             <a:endParaRPr lang="en-US"/>
           </a:p>
@@ -2423,10 +2375,9 @@
           </a:lstStyle>
           <a:p>
             <a:r>
-              <a:rPr lang="en-US" smtClean="0"/>
+              <a:rPr lang="en-US"/>
               <a:t>Click to edit Master title style</a:t>
             </a:r>
-            <a:endParaRPr lang="en-US"/>
           </a:p>
         </p:txBody>
       </p:sp>
@@ -2550,7 +2501,7 @@
           <a:p>
             <a:pPr lvl="0"/>
             <a:r>
-              <a:rPr lang="en-US" smtClean="0"/>
+              <a:rPr lang="en-US"/>
               <a:t>Click to edit Master text styles</a:t>
             </a:r>
           </a:p>
@@ -2573,7 +2524,7 @@
           <a:p>
             <a:fld id="{BA9FF27D-2AED-41EB-8EEF-71F113334AB9}" type="datetimeFigureOut">
               <a:rPr lang="en-US" smtClean="0"/>
-              <a:t>3/3/17</a:t>
+              <a:t>3/3/2017</a:t>
             </a:fld>
             <a:endParaRPr lang="en-US"/>
           </a:p>
@@ -2682,10 +2633,9 @@
           <a:lstStyle/>
           <a:p>
             <a:r>
-              <a:rPr lang="en-US" smtClean="0"/>
+              <a:rPr lang="en-US"/>
               <a:t>Click to edit Master title style</a:t>
             </a:r>
-            <a:endParaRPr lang="en-US"/>
           </a:p>
         </p:txBody>
       </p:sp>
@@ -2716,38 +2666,37 @@
           <a:p>
             <a:pPr lvl="0"/>
             <a:r>
-              <a:rPr lang="en-US" smtClean="0"/>
+              <a:rPr lang="en-US"/>
               <a:t>Click to edit Master text styles</a:t>
             </a:r>
           </a:p>
           <a:p>
             <a:pPr lvl="1"/>
             <a:r>
-              <a:rPr lang="en-US" smtClean="0"/>
+              <a:rPr lang="en-US"/>
               <a:t>Second level</a:t>
             </a:r>
           </a:p>
           <a:p>
             <a:pPr lvl="2"/>
             <a:r>
-              <a:rPr lang="en-US" smtClean="0"/>
+              <a:rPr lang="en-US"/>
               <a:t>Third level</a:t>
             </a:r>
           </a:p>
           <a:p>
             <a:pPr lvl="3"/>
             <a:r>
-              <a:rPr lang="en-US" smtClean="0"/>
+              <a:rPr lang="en-US"/>
               <a:t>Fourth level</a:t>
             </a:r>
           </a:p>
           <a:p>
             <a:pPr lvl="4"/>
             <a:r>
-              <a:rPr lang="en-US" smtClean="0"/>
+              <a:rPr lang="en-US"/>
               <a:t>Fifth level</a:t>
             </a:r>
-            <a:endParaRPr lang="en-US"/>
           </a:p>
         </p:txBody>
       </p:sp>
@@ -2786,7 +2735,7 @@
           <a:p>
             <a:fld id="{BA9FF27D-2AED-41EB-8EEF-71F113334AB9}" type="datetimeFigureOut">
               <a:rPr lang="en-US" smtClean="0"/>
-              <a:t>3/3/17</a:t>
+              <a:t>3/3/2017</a:t>
             </a:fld>
             <a:endParaRPr lang="en-US"/>
           </a:p>
@@ -2891,13 +2840,6 @@
     <p:sldLayoutId id="2147483658" r:id="rId10"/>
     <p:sldLayoutId id="2147483659" r:id="rId11"/>
   </p:sldLayoutIdLst>
-  <p:timing>
-    <p:tnLst>
-      <p:par>
-        <p:cTn id="1" dur="indefinite" restart="never" nodeType="tmRoot"/>
-      </p:par>
-    </p:tnLst>
-  </p:timing>
   <p:txStyles>
     <p:titleStyle>
       <a:lvl1pPr algn="l" defTabSz="914400" rtl="0" eaLnBrk="1" latinLnBrk="0" hangingPunct="1">
@@ -3214,10 +3156,9 @@
           <a:lstStyle/>
           <a:p>
             <a:r>
-              <a:rPr lang="en-US" dirty="0" smtClean="0"/>
+              <a:rPr lang="en-US" dirty="0"/>
               <a:t>HIV/AIDS in Nepal</a:t>
             </a:r>
-            <a:endParaRPr lang="en-US" dirty="0"/>
           </a:p>
         </p:txBody>
       </p:sp>
@@ -3233,14 +3174,69 @@
         </p:nvSpPr>
         <p:spPr/>
         <p:txBody>
-          <a:bodyPr/>
-          <a:lstStyle/>
-          <a:p>
-            <a:r>
-              <a:rPr lang="en-US" dirty="0" smtClean="0"/>
+          <a:bodyPr>
+            <a:normAutofit fontScale="32500" lnSpcReduction="20000"/>
+          </a:bodyPr>
+          <a:lstStyle/>
+          <a:p>
+            <a:r>
+              <a:rPr lang="en-US" sz="5700" dirty="0"/>
               <a:t>Team United</a:t>
             </a:r>
-            <a:endParaRPr lang="en-US" dirty="0"/>
+          </a:p>
+          <a:p>
+            <a:r>
+              <a:rPr lang="en-US" dirty="0"/>
+              <a:t>							    </a:t>
+            </a:r>
+            <a:r>
+              <a:rPr lang="en-US" sz="6200" dirty="0"/>
+              <a:t>      -</a:t>
+            </a:r>
+            <a:r>
+              <a:rPr lang="en-US" sz="6200" dirty="0" err="1"/>
+              <a:t>Bibesh</a:t>
+            </a:r>
+            <a:r>
+              <a:rPr lang="en-US" sz="6200" dirty="0"/>
+              <a:t> </a:t>
+            </a:r>
+            <a:r>
+              <a:rPr lang="en-US" sz="6200" dirty="0" err="1"/>
+              <a:t>Manandhar</a:t>
+            </a:r>
+            <a:endParaRPr lang="en-US" sz="6200" dirty="0"/>
+          </a:p>
+          <a:p>
+            <a:r>
+              <a:rPr lang="en-US" sz="6200" dirty="0"/>
+              <a:t>							 -</a:t>
+            </a:r>
+            <a:r>
+              <a:rPr lang="en-US" sz="6200" dirty="0" err="1"/>
+              <a:t>Bijesh</a:t>
+            </a:r>
+            <a:r>
+              <a:rPr lang="en-US" sz="6200" dirty="0"/>
+              <a:t> </a:t>
+            </a:r>
+            <a:r>
+              <a:rPr lang="en-US" sz="6200" dirty="0" err="1"/>
+              <a:t>Ghimire</a:t>
+            </a:r>
+            <a:endParaRPr lang="en-US" sz="6200" dirty="0"/>
+          </a:p>
+          <a:p>
+            <a:r>
+              <a:rPr lang="en-US" sz="6200" dirty="0"/>
+              <a:t>						              -Binod Mishra</a:t>
+            </a:r>
+          </a:p>
+          <a:p>
+            <a:r>
+              <a:rPr lang="en-US" sz="6200" dirty="0"/>
+              <a:t>						           -Saugat Rai</a:t>
+            </a:r>
           </a:p>
         </p:txBody>
       </p:sp>
@@ -3254,13 +3250,242 @@
   <p:clrMapOvr>
     <a:masterClrMapping/>
   </p:clrMapOvr>
-  <p:timing>
-    <p:tnLst>
-      <p:par>
-        <p:cTn id="1" dur="indefinite" restart="never" nodeType="tmRoot"/>
-      </p:par>
-    </p:tnLst>
-  </p:timing>
+</p:sld>
+</file>
+
+<file path=ppt/slides/slide10.xml><?xml version="1.0" encoding="utf-8"?>
+<p:sld xmlns:a="http://schemas.openxmlformats.org/drawingml/2006/main" xmlns:r="http://schemas.openxmlformats.org/officeDocument/2006/relationships" xmlns:p="http://schemas.openxmlformats.org/presentationml/2006/main">
+  <p:cSld>
+    <p:spTree>
+      <p:nvGrpSpPr>
+        <p:cNvPr id="1" name=""/>
+        <p:cNvGrpSpPr/>
+        <p:nvPr/>
+      </p:nvGrpSpPr>
+      <p:grpSpPr>
+        <a:xfrm>
+          <a:off x="0" y="0"/>
+          <a:ext cx="0" cy="0"/>
+          <a:chOff x="0" y="0"/>
+          <a:chExt cx="0" cy="0"/>
+        </a:xfrm>
+      </p:grpSpPr>
+      <p:sp>
+        <p:nvSpPr>
+          <p:cNvPr id="2" name="Title 1"/>
+          <p:cNvSpPr>
+            <a:spLocks noGrp="1"/>
+          </p:cNvSpPr>
+          <p:nvPr>
+            <p:ph type="title"/>
+          </p:nvPr>
+        </p:nvSpPr>
+        <p:spPr/>
+        <p:txBody>
+          <a:bodyPr/>
+          <a:lstStyle/>
+          <a:p>
+            <a:endParaRPr lang="en-US"/>
+          </a:p>
+        </p:txBody>
+      </p:sp>
+      <p:pic>
+        <p:nvPicPr>
+          <p:cNvPr id="5" name="Content Placeholder 4"/>
+          <p:cNvPicPr>
+            <a:picLocks noGrp="1" noChangeAspect="1"/>
+          </p:cNvPicPr>
+          <p:nvPr>
+            <p:ph idx="1"/>
+          </p:nvPr>
+        </p:nvPicPr>
+        <p:blipFill>
+          <a:blip r:embed="rId2"/>
+          <a:stretch>
+            <a:fillRect/>
+          </a:stretch>
+        </p:blipFill>
+        <p:spPr>
+          <a:xfrm>
+            <a:off x="1390655" y="1168802"/>
+            <a:ext cx="9410690" cy="4351338"/>
+          </a:xfrm>
+          <a:prstGeom prst="rect">
+            <a:avLst/>
+          </a:prstGeom>
+        </p:spPr>
+      </p:pic>
+    </p:spTree>
+    <p:extLst>
+      <p:ext uri="{BB962C8B-B14F-4D97-AF65-F5344CB8AC3E}">
+        <p14:creationId xmlns:p14="http://schemas.microsoft.com/office/powerpoint/2010/main" val="3381011765"/>
+      </p:ext>
+    </p:extLst>
+  </p:cSld>
+  <p:clrMapOvr>
+    <a:masterClrMapping/>
+  </p:clrMapOvr>
+</p:sld>
+</file>
+
+<file path=ppt/slides/slide11.xml><?xml version="1.0" encoding="utf-8"?>
+<p:sld xmlns:a="http://schemas.openxmlformats.org/drawingml/2006/main" xmlns:r="http://schemas.openxmlformats.org/officeDocument/2006/relationships" xmlns:p="http://schemas.openxmlformats.org/presentationml/2006/main">
+  <p:cSld>
+    <p:spTree>
+      <p:nvGrpSpPr>
+        <p:cNvPr id="1" name=""/>
+        <p:cNvGrpSpPr/>
+        <p:nvPr/>
+      </p:nvGrpSpPr>
+      <p:grpSpPr>
+        <a:xfrm>
+          <a:off x="0" y="0"/>
+          <a:ext cx="0" cy="0"/>
+          <a:chOff x="0" y="0"/>
+          <a:chExt cx="0" cy="0"/>
+        </a:xfrm>
+      </p:grpSpPr>
+      <p:sp>
+        <p:nvSpPr>
+          <p:cNvPr id="2" name="Title 1"/>
+          <p:cNvSpPr>
+            <a:spLocks noGrp="1"/>
+          </p:cNvSpPr>
+          <p:nvPr>
+            <p:ph type="title"/>
+          </p:nvPr>
+        </p:nvSpPr>
+        <p:spPr/>
+        <p:txBody>
+          <a:bodyPr/>
+          <a:lstStyle/>
+          <a:p>
+            <a:r>
+              <a:rPr lang="en-US" dirty="0"/>
+              <a:t>In Future…</a:t>
+            </a:r>
+          </a:p>
+        </p:txBody>
+      </p:sp>
+      <p:sp>
+        <p:nvSpPr>
+          <p:cNvPr id="3" name="Content Placeholder 2"/>
+          <p:cNvSpPr>
+            <a:spLocks noGrp="1"/>
+          </p:cNvSpPr>
+          <p:nvPr>
+            <p:ph idx="1"/>
+          </p:nvPr>
+        </p:nvSpPr>
+        <p:spPr/>
+        <p:txBody>
+          <a:bodyPr>
+            <a:normAutofit/>
+          </a:bodyPr>
+          <a:lstStyle/>
+          <a:p>
+            <a:r>
+              <a:rPr lang="en-US" sz="2400" dirty="0"/>
+              <a:t>Developing Mobile Application.</a:t>
+            </a:r>
+          </a:p>
+          <a:p>
+            <a:r>
+              <a:rPr lang="en-US" sz="2400" dirty="0"/>
+              <a:t>Login and Forum features.</a:t>
+            </a:r>
+          </a:p>
+          <a:p>
+            <a:r>
+              <a:rPr lang="en-US" sz="2400" dirty="0"/>
+              <a:t>Donation.</a:t>
+            </a:r>
+          </a:p>
+          <a:p>
+            <a:r>
+              <a:rPr lang="en-US" sz="2400" dirty="0"/>
+              <a:t>Dynamism for data entry.</a:t>
+            </a:r>
+          </a:p>
+          <a:p>
+            <a:r>
+              <a:rPr lang="en-US" sz="2400" dirty="0"/>
+              <a:t>Health Camps. </a:t>
+            </a:r>
+          </a:p>
+          <a:p>
+            <a:r>
+              <a:rPr lang="en-US" sz="2400" dirty="0"/>
+              <a:t>Volunteer Raising.</a:t>
+            </a:r>
+          </a:p>
+          <a:p>
+            <a:endParaRPr lang="en-US" sz="2400" dirty="0"/>
+          </a:p>
+        </p:txBody>
+      </p:sp>
+      <p:sp>
+        <p:nvSpPr>
+          <p:cNvPr id="4" name="TextBox 3"/>
+          <p:cNvSpPr txBox="1"/>
+          <p:nvPr/>
+        </p:nvSpPr>
+        <p:spPr>
+          <a:xfrm>
+            <a:off x="8512935" y="3258355"/>
+            <a:ext cx="2686056" cy="646331"/>
+          </a:xfrm>
+          <a:prstGeom prst="rect">
+            <a:avLst/>
+          </a:prstGeom>
+          <a:noFill/>
+        </p:spPr>
+        <p:txBody>
+          <a:bodyPr wrap="none" rtlCol="0">
+            <a:spAutoFit/>
+          </a:bodyPr>
+          <a:lstStyle/>
+          <a:p>
+            <a:r>
+              <a:rPr lang="en-US" dirty="0" err="1"/>
+              <a:t>Yeta</a:t>
+            </a:r>
+            <a:r>
+              <a:rPr lang="en-US" dirty="0"/>
+              <a:t> mobile </a:t>
+            </a:r>
+            <a:r>
+              <a:rPr lang="en-US" dirty="0" err="1"/>
+              <a:t>ko</a:t>
+            </a:r>
+            <a:r>
+              <a:rPr lang="en-US" dirty="0"/>
+              <a:t> screen shot</a:t>
+            </a:r>
+          </a:p>
+          <a:p>
+            <a:r>
+              <a:rPr lang="en-US" dirty="0" err="1"/>
+              <a:t>Euta</a:t>
+            </a:r>
+            <a:r>
+              <a:rPr lang="en-US"/>
+              <a:t> </a:t>
+            </a:r>
+            <a:endParaRPr lang="en-US"/>
+          </a:p>
+        </p:txBody>
+      </p:sp>
+    </p:spTree>
+    <p:extLst>
+      <p:ext uri="{BB962C8B-B14F-4D97-AF65-F5344CB8AC3E}">
+        <p14:creationId xmlns:p14="http://schemas.microsoft.com/office/powerpoint/2010/main" val="2479442026"/>
+      </p:ext>
+    </p:extLst>
+  </p:cSld>
+  <p:clrMapOvr>
+    <a:masterClrMapping/>
+  </p:clrMapOvr>
 </p:sld>
 </file>
 
@@ -3297,10 +3522,9 @@
           <a:lstStyle/>
           <a:p>
             <a:r>
-              <a:rPr lang="en-US" dirty="0" smtClean="0"/>
+              <a:rPr lang="en-US" dirty="0"/>
               <a:t>Challenge</a:t>
             </a:r>
-            <a:endParaRPr lang="en-US" dirty="0"/>
           </a:p>
         </p:txBody>
       </p:sp>
@@ -3334,15 +3558,7 @@
                 <a:ea typeface="Roboto" charset="0"/>
                 <a:cs typeface="Roboto" charset="0"/>
               </a:rPr>
-              <a:t>People feel awkward and shy to talk openly </a:t>
-            </a:r>
-            <a:r>
-              <a:rPr lang="en-US" sz="2400" dirty="0" smtClean="0">
-                <a:latin typeface="Roboto" charset="0"/>
-                <a:ea typeface="Roboto" charset="0"/>
-                <a:cs typeface="Roboto" charset="0"/>
-              </a:rPr>
-              <a:t>about HIV/AIDS.</a:t>
+              <a:t>Lack of knowledge about preventive measures and actions to be taken.</a:t>
             </a:r>
           </a:p>
           <a:p>
@@ -3354,34 +3570,13 @@
               <a:buChar char="•"/>
             </a:pPr>
             <a:r>
-              <a:rPr lang="en-US" sz="2400" dirty="0" smtClean="0">
-                <a:latin typeface="Roboto" charset="0"/>
-                <a:ea typeface="Roboto" charset="0"/>
-                <a:cs typeface="Roboto" charset="0"/>
-              </a:rPr>
-              <a:t>Lack </a:t>
-            </a:r>
-            <a:r>
               <a:rPr lang="en-US" sz="2400" dirty="0">
                 <a:latin typeface="Roboto" charset="0"/>
                 <a:ea typeface="Roboto" charset="0"/>
                 <a:cs typeface="Roboto" charset="0"/>
               </a:rPr>
-              <a:t>of knowledge about preventive measures and actions to be taken</a:t>
-            </a:r>
-            <a:r>
-              <a:rPr lang="en-US" sz="2400" dirty="0" smtClean="0">
-                <a:latin typeface="Roboto" charset="0"/>
-                <a:ea typeface="Roboto" charset="0"/>
-                <a:cs typeface="Roboto" charset="0"/>
-              </a:rPr>
-              <a:t>.</a:t>
-            </a:r>
-            <a:endParaRPr lang="en-US" sz="2400" dirty="0">
-              <a:latin typeface="Roboto" charset="0"/>
-              <a:ea typeface="Roboto" charset="0"/>
-              <a:cs typeface="Roboto" charset="0"/>
-            </a:endParaRPr>
+              <a:t>Vast and scattered data about HIV/AIDS.</a:t>
+            </a:r>
           </a:p>
           <a:p>
             <a:pPr marL="285750" indent="-285750" algn="just">
@@ -3397,21 +3592,8 @@
                 <a:ea typeface="Roboto" charset="0"/>
                 <a:cs typeface="Roboto" charset="0"/>
               </a:rPr>
-              <a:t>Vast and scattered </a:t>
-            </a:r>
-            <a:r>
-              <a:rPr lang="en-US" sz="2400" dirty="0" smtClean="0">
-                <a:latin typeface="Roboto" charset="0"/>
-                <a:ea typeface="Roboto" charset="0"/>
-                <a:cs typeface="Roboto" charset="0"/>
-              </a:rPr>
-              <a:t>data about HIV/AIDS.</a:t>
-            </a:r>
-            <a:endParaRPr lang="en-US" sz="2400" dirty="0">
-              <a:latin typeface="Roboto" charset="0"/>
-              <a:ea typeface="Roboto" charset="0"/>
-              <a:cs typeface="Roboto" charset="0"/>
-            </a:endParaRPr>
+              <a:t>Unclear understanding of data if found.</a:t>
+            </a:r>
           </a:p>
           <a:p>
             <a:pPr marL="285750" indent="-285750" algn="just">
@@ -3427,15 +3609,7 @@
                 <a:ea typeface="Roboto" charset="0"/>
                 <a:cs typeface="Roboto" charset="0"/>
               </a:rPr>
-              <a:t>Unclear understanding of data if found</a:t>
-            </a:r>
-            <a:r>
-              <a:rPr lang="en-US" sz="2400" dirty="0" smtClean="0">
-                <a:latin typeface="Roboto" charset="0"/>
-                <a:ea typeface="Roboto" charset="0"/>
-                <a:cs typeface="Roboto" charset="0"/>
-              </a:rPr>
-              <a:t>.</a:t>
+              <a:t>People, infected by HIV, not aware about the health service and facilities provided. </a:t>
             </a:r>
           </a:p>
           <a:p>
@@ -3447,12 +3621,10 @@
               <a:buChar char="•"/>
             </a:pPr>
             <a:r>
-              <a:rPr lang="en-US" sz="2400" dirty="0" smtClean="0">
+              <a:rPr lang="en-US" sz="2400" dirty="0">
                 <a:latin typeface="Roboto" charset="0"/>
-                <a:ea typeface="Roboto" charset="0"/>
-                <a:cs typeface="Roboto" charset="0"/>
               </a:rPr>
-              <a:t>People, infected by HIV, not aware about the health service and facilities provided. </a:t>
+              <a:t>Creating Understanding among people about the disease.</a:t>
             </a:r>
             <a:endParaRPr lang="en-US" sz="2400" dirty="0"/>
           </a:p>
@@ -3468,13 +3640,6 @@
   <p:clrMapOvr>
     <a:masterClrMapping/>
   </p:clrMapOvr>
-  <p:timing>
-    <p:tnLst>
-      <p:par>
-        <p:cTn id="1" dur="indefinite" restart="never" nodeType="tmRoot"/>
-      </p:par>
-    </p:tnLst>
-  </p:timing>
 </p:sld>
 </file>
 
@@ -3511,10 +3676,9 @@
           <a:lstStyle/>
           <a:p>
             <a:r>
-              <a:rPr lang="en-US" dirty="0" smtClean="0"/>
+              <a:rPr lang="en-US" dirty="0"/>
               <a:t>Solution</a:t>
             </a:r>
-            <a:endParaRPr lang="en-US" dirty="0"/>
           </a:p>
         </p:txBody>
       </p:sp>
@@ -3600,6 +3764,19 @@
               </a:rPr>
               <a:t>Information about the preventive measure taken to control and fight with them. </a:t>
             </a:r>
+          </a:p>
+          <a:p>
+            <a:pPr marL="0" indent="0" algn="just">
+              <a:spcBef>
+                <a:spcPts val="800"/>
+              </a:spcBef>
+              <a:buNone/>
+            </a:pPr>
+            <a:endParaRPr lang="en-US" sz="2400" dirty="0">
+              <a:latin typeface="Roboto" charset="0"/>
+              <a:ea typeface="Roboto" charset="0"/>
+              <a:cs typeface="Roboto" charset="0"/>
+            </a:endParaRPr>
           </a:p>
         </p:txBody>
       </p:sp>
@@ -3613,13 +3790,6 @@
   <p:clrMapOvr>
     <a:masterClrMapping/>
   </p:clrMapOvr>
-  <p:timing>
-    <p:tnLst>
-      <p:par>
-        <p:cTn id="1" dur="indefinite" restart="never" nodeType="tmRoot"/>
-      </p:par>
-    </p:tnLst>
-  </p:timing>
 </p:sld>
 </file>
 
@@ -3656,10 +3826,9 @@
           <a:lstStyle/>
           <a:p>
             <a:r>
-              <a:rPr lang="en-US" dirty="0" smtClean="0"/>
+              <a:rPr lang="en-US" dirty="0"/>
               <a:t>Impact</a:t>
             </a:r>
-            <a:endParaRPr lang="en-US" dirty="0"/>
           </a:p>
         </p:txBody>
       </p:sp>
@@ -3688,7 +3857,7 @@
               <a:buChar char="•"/>
             </a:pPr>
             <a:r>
-              <a:rPr lang="en-US" sz="2400" dirty="0" smtClean="0">
+              <a:rPr lang="en-US" sz="2400" dirty="0">
                 <a:latin typeface="Roboto" charset="0"/>
                 <a:ea typeface="Roboto" charset="0"/>
                 <a:cs typeface="Roboto" charset="0"/>
@@ -3705,7 +3874,7 @@
               <a:buChar char="•"/>
             </a:pPr>
             <a:r>
-              <a:rPr lang="en-US" sz="2400" dirty="0" smtClean="0">
+              <a:rPr lang="en-US" sz="2400" dirty="0">
                 <a:latin typeface="Roboto" charset="0"/>
                 <a:ea typeface="Roboto" charset="0"/>
                 <a:cs typeface="Roboto" charset="0"/>
@@ -3722,7 +3891,7 @@
               <a:buChar char="•"/>
             </a:pPr>
             <a:r>
-              <a:rPr lang="en-US" sz="2400" dirty="0" smtClean="0">
+              <a:rPr lang="en-US" sz="2400" dirty="0">
                 <a:latin typeface="Roboto" charset="0"/>
                 <a:ea typeface="Roboto" charset="0"/>
                 <a:cs typeface="Roboto" charset="0"/>
@@ -3739,18 +3908,13 @@
               <a:buChar char="•"/>
             </a:pPr>
             <a:r>
-              <a:rPr lang="en-US" sz="2400" dirty="0" smtClean="0">
+              <a:rPr lang="en-US" sz="2400" dirty="0">
                 <a:latin typeface="Roboto" charset="0"/>
                 <a:ea typeface="Roboto" charset="0"/>
                 <a:cs typeface="Roboto" charset="0"/>
               </a:rPr>
               <a:t>Doctor-patients contact.</a:t>
             </a:r>
-            <a:endParaRPr lang="en-US" sz="2400" dirty="0" smtClean="0">
-              <a:latin typeface="Roboto" charset="0"/>
-              <a:ea typeface="Roboto" charset="0"/>
-              <a:cs typeface="Roboto" charset="0"/>
-            </a:endParaRPr>
           </a:p>
         </p:txBody>
       </p:sp>
@@ -3764,13 +3928,6 @@
   <p:clrMapOvr>
     <a:masterClrMapping/>
   </p:clrMapOvr>
-  <p:timing>
-    <p:tnLst>
-      <p:par>
-        <p:cTn id="1" dur="indefinite" restart="never" nodeType="tmRoot"/>
-      </p:par>
-    </p:tnLst>
-  </p:timing>
 </p:sld>
 </file>
 
@@ -3807,10 +3964,9 @@
           <a:lstStyle/>
           <a:p>
             <a:r>
-              <a:rPr lang="en-US" dirty="0" smtClean="0"/>
+              <a:rPr lang="en-US" dirty="0"/>
               <a:t>Product Features</a:t>
             </a:r>
-            <a:endParaRPr lang="en-US" dirty="0"/>
           </a:p>
         </p:txBody>
       </p:sp>
@@ -3837,25 +3993,12 @@
                 <a:ea typeface="Calibri" charset="0"/>
                 <a:cs typeface="Calibri" charset="0"/>
               </a:rPr>
-              <a:t>Providing HIV/AIDS related information in one </a:t>
-            </a:r>
-            <a:r>
-              <a:rPr lang="en-US" sz="2400" dirty="0" smtClean="0">
-                <a:latin typeface="Calibri" charset="0"/>
-                <a:ea typeface="Calibri" charset="0"/>
-                <a:cs typeface="Calibri" charset="0"/>
-              </a:rPr>
-              <a:t>portal.</a:t>
-            </a:r>
-            <a:endParaRPr lang="en-US" sz="2400" dirty="0" smtClean="0">
-              <a:latin typeface="Calibri" charset="0"/>
-              <a:ea typeface="Calibri" charset="0"/>
-              <a:cs typeface="Calibri" charset="0"/>
-            </a:endParaRPr>
-          </a:p>
-          <a:p>
-            <a:r>
-              <a:rPr lang="en-US" sz="2400" dirty="0" smtClean="0">
+              <a:t>Providing HIV/AIDS related information in one portal.</a:t>
+            </a:r>
+          </a:p>
+          <a:p>
+            <a:r>
+              <a:rPr lang="en-US" sz="2400" dirty="0">
                 <a:latin typeface="Calibri" charset="0"/>
                 <a:ea typeface="Calibri" charset="0"/>
                 <a:cs typeface="Calibri" charset="0"/>
@@ -3865,95 +4008,43 @@
           </a:p>
           <a:p>
             <a:r>
-              <a:rPr lang="en-US" sz="2400" dirty="0" smtClean="0">
-                <a:latin typeface="Calibri" charset="0"/>
-                <a:ea typeface="Calibri" charset="0"/>
-                <a:cs typeface="Calibri" charset="0"/>
-              </a:rPr>
-              <a:t>Visualization </a:t>
-            </a:r>
-            <a:r>
               <a:rPr lang="en-US" sz="2400" dirty="0">
                 <a:latin typeface="Calibri" charset="0"/>
                 <a:ea typeface="Calibri" charset="0"/>
                 <a:cs typeface="Calibri" charset="0"/>
               </a:rPr>
-              <a:t>of Past and Current data records of HIV/AIDS patients with the help of various data and </a:t>
-            </a:r>
-            <a:r>
-              <a:rPr lang="en-US" sz="2400" dirty="0" smtClean="0">
-                <a:latin typeface="Calibri" charset="0"/>
-                <a:ea typeface="Calibri" charset="0"/>
-                <a:cs typeface="Calibri" charset="0"/>
-              </a:rPr>
-              <a:t>charts.</a:t>
-            </a:r>
-          </a:p>
-          <a:p>
-            <a:r>
-              <a:rPr lang="en-US" sz="2400" dirty="0" smtClean="0">
-                <a:latin typeface="Calibri" charset="0"/>
-                <a:ea typeface="Calibri" charset="0"/>
-                <a:cs typeface="Calibri" charset="0"/>
-              </a:rPr>
-              <a:t>Providing </a:t>
-            </a:r>
+              <a:t>Visualization of Past and Current data records of HIV/AIDS patients with the help of various data and charts.</a:t>
+            </a:r>
+          </a:p>
+          <a:p>
             <a:r>
               <a:rPr lang="en-US" sz="2400" dirty="0">
                 <a:latin typeface="Calibri" charset="0"/>
                 <a:ea typeface="Calibri" charset="0"/>
                 <a:cs typeface="Calibri" charset="0"/>
               </a:rPr>
-              <a:t>information for Government as well as various NGOs and INGOs working towards the HIV infected patients. </a:t>
-            </a:r>
-            <a:endParaRPr lang="en-US" sz="2400" dirty="0" smtClean="0">
-              <a:latin typeface="Calibri" charset="0"/>
-              <a:ea typeface="Calibri" charset="0"/>
-              <a:cs typeface="Calibri" charset="0"/>
-            </a:endParaRPr>
-          </a:p>
-          <a:p>
-            <a:r>
-              <a:rPr lang="en-US" sz="2400" dirty="0" smtClean="0">
-                <a:latin typeface="Calibri" charset="0"/>
-                <a:ea typeface="Calibri" charset="0"/>
-                <a:cs typeface="Calibri" charset="0"/>
-              </a:rPr>
-              <a:t>Graphical </a:t>
-            </a:r>
+              <a:t>Providing information for Government as well as various NGOs and INGOs working towards the HIV infected patients. </a:t>
+            </a:r>
+          </a:p>
+          <a:p>
             <a:r>
               <a:rPr lang="en-US" sz="2400" dirty="0">
                 <a:latin typeface="Calibri" charset="0"/>
                 <a:ea typeface="Calibri" charset="0"/>
                 <a:cs typeface="Calibri" charset="0"/>
               </a:rPr>
-              <a:t>presentation of national and international financing aids.</a:t>
-            </a:r>
-          </a:p>
-          <a:p>
-            <a:r>
-              <a:rPr lang="en-US" sz="2400" dirty="0" smtClean="0">
-                <a:latin typeface="Calibri" charset="0"/>
-                <a:ea typeface="Calibri" charset="0"/>
-                <a:cs typeface="Calibri" charset="0"/>
-              </a:rPr>
               <a:t>Subscribe for Newsletter about coming up events.</a:t>
             </a:r>
           </a:p>
           <a:p>
             <a:r>
-              <a:rPr lang="en-US" sz="2400" dirty="0" smtClean="0">
+              <a:rPr lang="en-US" sz="2400" dirty="0">
                 <a:latin typeface="Calibri" charset="0"/>
                 <a:ea typeface="Calibri" charset="0"/>
                 <a:cs typeface="Calibri" charset="0"/>
               </a:rPr>
               <a:t>Information about Hospital for treatment on map.</a:t>
             </a:r>
-            <a:endParaRPr lang="en-US" sz="2400" dirty="0">
-              <a:latin typeface="Calibri" charset="0"/>
-              <a:ea typeface="Calibri" charset="0"/>
-              <a:cs typeface="Calibri" charset="0"/>
-            </a:endParaRPr>
           </a:p>
         </p:txBody>
       </p:sp>
@@ -3967,13 +4058,6 @@
   <p:clrMapOvr>
     <a:masterClrMapping/>
   </p:clrMapOvr>
-  <p:timing>
-    <p:tnLst>
-      <p:par>
-        <p:cTn id="1" dur="indefinite" restart="never" nodeType="tmRoot"/>
-      </p:par>
-    </p:tnLst>
-  </p:timing>
 </p:sld>
 </file>
 
@@ -4004,89 +4088,306 @@
             <p:ph type="title"/>
           </p:nvPr>
         </p:nvSpPr>
-        <p:spPr/>
-        <p:txBody>
-          <a:bodyPr/>
-          <a:lstStyle/>
-          <a:p>
-            <a:r>
-              <a:rPr lang="en-US" dirty="0" smtClean="0"/>
-              <a:t>In Future…</a:t>
-            </a:r>
-            <a:endParaRPr lang="en-US" dirty="0"/>
-          </a:p>
-        </p:txBody>
-      </p:sp>
-      <p:sp>
-        <p:nvSpPr>
-          <p:cNvPr id="3" name="Content Placeholder 2"/>
-          <p:cNvSpPr>
-            <a:spLocks noGrp="1"/>
-          </p:cNvSpPr>
+        <p:spPr>
+          <a:xfrm>
+            <a:off x="838200" y="365125"/>
+            <a:ext cx="10515600" cy="1325563"/>
+          </a:xfrm>
+        </p:spPr>
+        <p:txBody>
+          <a:bodyPr/>
+          <a:lstStyle/>
+          <a:p>
+            <a:pPr algn="ctr"/>
+            <a:r>
+              <a:rPr lang="en-US" dirty="0"/>
+              <a:t>Screenshots</a:t>
+            </a:r>
+          </a:p>
+        </p:txBody>
+      </p:sp>
+      <p:pic>
+        <p:nvPicPr>
+          <p:cNvPr id="4" name="Content Placeholder 3"/>
+          <p:cNvPicPr>
+            <a:picLocks noGrp="1" noChangeAspect="1"/>
+          </p:cNvPicPr>
           <p:nvPr>
             <p:ph idx="1"/>
           </p:nvPr>
-        </p:nvSpPr>
-        <p:spPr/>
-        <p:txBody>
-          <a:bodyPr>
-            <a:normAutofit/>
-          </a:bodyPr>
-          <a:lstStyle/>
-          <a:p>
-            <a:r>
-              <a:rPr lang="en-US" sz="2400" dirty="0" smtClean="0"/>
-              <a:t>Developing Mobile Application.</a:t>
-            </a:r>
-          </a:p>
-          <a:p>
-            <a:r>
-              <a:rPr lang="en-US" sz="2400" dirty="0" smtClean="0"/>
-              <a:t>Login and Forum features.</a:t>
-            </a:r>
-          </a:p>
-          <a:p>
-            <a:r>
-              <a:rPr lang="en-US" sz="2400" dirty="0" smtClean="0"/>
-              <a:t>Donation.</a:t>
-            </a:r>
-          </a:p>
-          <a:p>
-            <a:r>
-              <a:rPr lang="en-US" sz="2400" smtClean="0"/>
-              <a:t>Fund Raising.</a:t>
-            </a:r>
-            <a:endParaRPr lang="en-US" sz="2400" dirty="0" smtClean="0"/>
-          </a:p>
-          <a:p>
-            <a:r>
-              <a:rPr lang="en-US" sz="2400" dirty="0" smtClean="0"/>
-              <a:t>Dynamism for data entry.</a:t>
-            </a:r>
-            <a:endParaRPr lang="en-US" sz="2400" dirty="0" smtClean="0"/>
-          </a:p>
-          <a:p>
-            <a:endParaRPr lang="en-US" sz="2400" dirty="0"/>
-          </a:p>
-        </p:txBody>
-      </p:sp>
+        </p:nvPicPr>
+        <p:blipFill>
+          <a:blip r:embed="rId2"/>
+          <a:stretch>
+            <a:fillRect/>
+          </a:stretch>
+        </p:blipFill>
+        <p:spPr>
+          <a:xfrm>
+            <a:off x="1685236" y="1690688"/>
+            <a:ext cx="8821528" cy="4351338"/>
+          </a:xfrm>
+          <a:prstGeom prst="rect">
+            <a:avLst/>
+          </a:prstGeom>
+        </p:spPr>
+      </p:pic>
     </p:spTree>
     <p:extLst>
       <p:ext uri="{BB962C8B-B14F-4D97-AF65-F5344CB8AC3E}">
-        <p14:creationId xmlns:p14="http://schemas.microsoft.com/office/powerpoint/2010/main" val="2479442026"/>
+        <p14:creationId xmlns:p14="http://schemas.microsoft.com/office/powerpoint/2010/main" val="3485746232"/>
       </p:ext>
     </p:extLst>
   </p:cSld>
   <p:clrMapOvr>
     <a:masterClrMapping/>
   </p:clrMapOvr>
-  <p:timing>
-    <p:tnLst>
-      <p:par>
-        <p:cTn id="1" dur="indefinite" restart="never" nodeType="tmRoot"/>
-      </p:par>
-    </p:tnLst>
-  </p:timing>
+</p:sld>
+</file>
+
+<file path=ppt/slides/slide7.xml><?xml version="1.0" encoding="utf-8"?>
+<p:sld xmlns:a="http://schemas.openxmlformats.org/drawingml/2006/main" xmlns:r="http://schemas.openxmlformats.org/officeDocument/2006/relationships" xmlns:p="http://schemas.openxmlformats.org/presentationml/2006/main">
+  <p:cSld>
+    <p:spTree>
+      <p:nvGrpSpPr>
+        <p:cNvPr id="1" name=""/>
+        <p:cNvGrpSpPr/>
+        <p:nvPr/>
+      </p:nvGrpSpPr>
+      <p:grpSpPr>
+        <a:xfrm>
+          <a:off x="0" y="0"/>
+          <a:ext cx="0" cy="0"/>
+          <a:chOff x="0" y="0"/>
+          <a:chExt cx="0" cy="0"/>
+        </a:xfrm>
+      </p:grpSpPr>
+      <p:sp>
+        <p:nvSpPr>
+          <p:cNvPr id="2" name="Title 1"/>
+          <p:cNvSpPr>
+            <a:spLocks noGrp="1"/>
+          </p:cNvSpPr>
+          <p:nvPr>
+            <p:ph type="title"/>
+          </p:nvPr>
+        </p:nvSpPr>
+        <p:spPr/>
+        <p:txBody>
+          <a:bodyPr/>
+          <a:lstStyle/>
+          <a:p>
+            <a:pPr algn="ctr"/>
+            <a:r>
+              <a:rPr lang="en-US" dirty="0"/>
+              <a:t>	 (Data Distribution)</a:t>
+            </a:r>
+          </a:p>
+        </p:txBody>
+      </p:sp>
+      <p:pic>
+        <p:nvPicPr>
+          <p:cNvPr id="4" name="Content Placeholder 3"/>
+          <p:cNvPicPr>
+            <a:picLocks noGrp="1" noChangeAspect="1"/>
+          </p:cNvPicPr>
+          <p:nvPr>
+            <p:ph idx="1"/>
+          </p:nvPr>
+        </p:nvPicPr>
+        <p:blipFill>
+          <a:blip r:embed="rId2"/>
+          <a:stretch>
+            <a:fillRect/>
+          </a:stretch>
+        </p:blipFill>
+        <p:spPr>
+          <a:xfrm>
+            <a:off x="1317362" y="1825625"/>
+            <a:ext cx="9557275" cy="4351338"/>
+          </a:xfrm>
+          <a:prstGeom prst="rect">
+            <a:avLst/>
+          </a:prstGeom>
+        </p:spPr>
+      </p:pic>
+    </p:spTree>
+    <p:extLst>
+      <p:ext uri="{BB962C8B-B14F-4D97-AF65-F5344CB8AC3E}">
+        <p14:creationId xmlns:p14="http://schemas.microsoft.com/office/powerpoint/2010/main" val="2265348210"/>
+      </p:ext>
+    </p:extLst>
+  </p:cSld>
+  <p:clrMapOvr>
+    <a:masterClrMapping/>
+  </p:clrMapOvr>
+</p:sld>
+</file>
+
+<file path=ppt/slides/slide8.xml><?xml version="1.0" encoding="utf-8"?>
+<p:sld xmlns:a="http://schemas.openxmlformats.org/drawingml/2006/main" xmlns:r="http://schemas.openxmlformats.org/officeDocument/2006/relationships" xmlns:p="http://schemas.openxmlformats.org/presentationml/2006/main">
+  <p:cSld>
+    <p:spTree>
+      <p:nvGrpSpPr>
+        <p:cNvPr id="1" name=""/>
+        <p:cNvGrpSpPr/>
+        <p:nvPr/>
+      </p:nvGrpSpPr>
+      <p:grpSpPr>
+        <a:xfrm>
+          <a:off x="0" y="0"/>
+          <a:ext cx="0" cy="0"/>
+          <a:chOff x="0" y="0"/>
+          <a:chExt cx="0" cy="0"/>
+        </a:xfrm>
+      </p:grpSpPr>
+      <p:sp>
+        <p:nvSpPr>
+          <p:cNvPr id="2" name="Title 1"/>
+          <p:cNvSpPr>
+            <a:spLocks noGrp="1"/>
+          </p:cNvSpPr>
+          <p:nvPr>
+            <p:ph type="title"/>
+          </p:nvPr>
+        </p:nvSpPr>
+        <p:spPr/>
+        <p:txBody>
+          <a:bodyPr/>
+          <a:lstStyle/>
+          <a:p>
+            <a:endParaRPr lang="en-US"/>
+          </a:p>
+        </p:txBody>
+      </p:sp>
+      <p:sp>
+        <p:nvSpPr>
+          <p:cNvPr id="3" name="Content Placeholder 2"/>
+          <p:cNvSpPr>
+            <a:spLocks noGrp="1"/>
+          </p:cNvSpPr>
+          <p:nvPr>
+            <p:ph idx="1"/>
+          </p:nvPr>
+        </p:nvSpPr>
+        <p:spPr/>
+        <p:txBody>
+          <a:bodyPr/>
+          <a:lstStyle/>
+          <a:p>
+            <a:endParaRPr lang="en-US"/>
+          </a:p>
+        </p:txBody>
+      </p:sp>
+      <p:pic>
+        <p:nvPicPr>
+          <p:cNvPr id="4" name="Picture 3"/>
+          <p:cNvPicPr>
+            <a:picLocks noChangeAspect="1"/>
+          </p:cNvPicPr>
+          <p:nvPr/>
+        </p:nvPicPr>
+        <p:blipFill>
+          <a:blip r:embed="rId2"/>
+          <a:stretch>
+            <a:fillRect/>
+          </a:stretch>
+        </p:blipFill>
+        <p:spPr>
+          <a:xfrm>
+            <a:off x="699752" y="1594535"/>
+            <a:ext cx="10792496" cy="4813517"/>
+          </a:xfrm>
+          <a:prstGeom prst="rect">
+            <a:avLst/>
+          </a:prstGeom>
+        </p:spPr>
+      </p:pic>
+    </p:spTree>
+    <p:extLst>
+      <p:ext uri="{BB962C8B-B14F-4D97-AF65-F5344CB8AC3E}">
+        <p14:creationId xmlns:p14="http://schemas.microsoft.com/office/powerpoint/2010/main" val="3391180371"/>
+      </p:ext>
+    </p:extLst>
+  </p:cSld>
+  <p:clrMapOvr>
+    <a:masterClrMapping/>
+  </p:clrMapOvr>
+</p:sld>
+</file>
+
+<file path=ppt/slides/slide9.xml><?xml version="1.0" encoding="utf-8"?>
+<p:sld xmlns:a="http://schemas.openxmlformats.org/drawingml/2006/main" xmlns:r="http://schemas.openxmlformats.org/officeDocument/2006/relationships" xmlns:p="http://schemas.openxmlformats.org/presentationml/2006/main">
+  <p:cSld>
+    <p:spTree>
+      <p:nvGrpSpPr>
+        <p:cNvPr id="1" name=""/>
+        <p:cNvGrpSpPr/>
+        <p:nvPr/>
+      </p:nvGrpSpPr>
+      <p:grpSpPr>
+        <a:xfrm>
+          <a:off x="0" y="0"/>
+          <a:ext cx="0" cy="0"/>
+          <a:chOff x="0" y="0"/>
+          <a:chExt cx="0" cy="0"/>
+        </a:xfrm>
+      </p:grpSpPr>
+      <p:sp>
+        <p:nvSpPr>
+          <p:cNvPr id="2" name="Title 1"/>
+          <p:cNvSpPr>
+            <a:spLocks noGrp="1"/>
+          </p:cNvSpPr>
+          <p:nvPr>
+            <p:ph type="title"/>
+          </p:nvPr>
+        </p:nvSpPr>
+        <p:spPr/>
+        <p:txBody>
+          <a:bodyPr/>
+          <a:lstStyle/>
+          <a:p>
+            <a:endParaRPr lang="en-US"/>
+          </a:p>
+        </p:txBody>
+      </p:sp>
+      <p:pic>
+        <p:nvPicPr>
+          <p:cNvPr id="4" name="Content Placeholder 3"/>
+          <p:cNvPicPr>
+            <a:picLocks noGrp="1" noChangeAspect="1"/>
+          </p:cNvPicPr>
+          <p:nvPr>
+            <p:ph idx="1"/>
+          </p:nvPr>
+        </p:nvPicPr>
+        <p:blipFill>
+          <a:blip r:embed="rId2"/>
+          <a:stretch>
+            <a:fillRect/>
+          </a:stretch>
+        </p:blipFill>
+        <p:spPr>
+          <a:xfrm>
+            <a:off x="1136698" y="1838504"/>
+            <a:ext cx="9918603" cy="4351338"/>
+          </a:xfrm>
+          <a:prstGeom prst="rect">
+            <a:avLst/>
+          </a:prstGeom>
+        </p:spPr>
+      </p:pic>
+    </p:spTree>
+    <p:extLst>
+      <p:ext uri="{BB962C8B-B14F-4D97-AF65-F5344CB8AC3E}">
+        <p14:creationId xmlns:p14="http://schemas.microsoft.com/office/powerpoint/2010/main" val="3025548899"/>
+      </p:ext>
+    </p:extLst>
+  </p:cSld>
+  <p:clrMapOvr>
+    <a:masterClrMapping/>
+  </p:clrMapOvr>
 </p:sld>
 </file>
 

--- a/hackathon showcasing presentation template.pptx
+++ b/hackathon showcasing presentation template.pptx
@@ -251,7 +251,7 @@
           <a:p>
             <a:fld id="{BA9FF27D-2AED-41EB-8EEF-71F113334AB9}" type="datetimeFigureOut">
               <a:rPr lang="en-US" smtClean="0"/>
-              <a:t>3/3/2017</a:t>
+              <a:t>3/3/17</a:t>
             </a:fld>
             <a:endParaRPr lang="en-US"/>
           </a:p>
@@ -449,7 +449,7 @@
           <a:p>
             <a:fld id="{BA9FF27D-2AED-41EB-8EEF-71F113334AB9}" type="datetimeFigureOut">
               <a:rPr lang="en-US" smtClean="0"/>
-              <a:t>3/3/2017</a:t>
+              <a:t>3/3/17</a:t>
             </a:fld>
             <a:endParaRPr lang="en-US"/>
           </a:p>
@@ -627,7 +627,7 @@
           <a:p>
             <a:fld id="{BA9FF27D-2AED-41EB-8EEF-71F113334AB9}" type="datetimeFigureOut">
               <a:rPr lang="en-US" smtClean="0"/>
-              <a:t>3/3/2017</a:t>
+              <a:t>3/3/17</a:t>
             </a:fld>
             <a:endParaRPr lang="en-US"/>
           </a:p>
@@ -795,7 +795,7 @@
           <a:p>
             <a:fld id="{BA9FF27D-2AED-41EB-8EEF-71F113334AB9}" type="datetimeFigureOut">
               <a:rPr lang="en-US" smtClean="0"/>
-              <a:t>3/3/2017</a:t>
+              <a:t>3/3/17</a:t>
             </a:fld>
             <a:endParaRPr lang="en-US"/>
           </a:p>
@@ -1101,7 +1101,7 @@
           <a:p>
             <a:fld id="{BA9FF27D-2AED-41EB-8EEF-71F113334AB9}" type="datetimeFigureOut">
               <a:rPr lang="en-US" smtClean="0"/>
-              <a:t>3/3/2017</a:t>
+              <a:t>3/3/17</a:t>
             </a:fld>
             <a:endParaRPr lang="en-US"/>
           </a:p>
@@ -1360,7 +1360,7 @@
           <a:p>
             <a:fld id="{BA9FF27D-2AED-41EB-8EEF-71F113334AB9}" type="datetimeFigureOut">
               <a:rPr lang="en-US" smtClean="0"/>
-              <a:t>3/3/2017</a:t>
+              <a:t>3/3/17</a:t>
             </a:fld>
             <a:endParaRPr lang="en-US"/>
           </a:p>
@@ -1785,7 +1785,7 @@
           <a:p>
             <a:fld id="{BA9FF27D-2AED-41EB-8EEF-71F113334AB9}" type="datetimeFigureOut">
               <a:rPr lang="en-US" smtClean="0"/>
-              <a:t>3/3/2017</a:t>
+              <a:t>3/3/17</a:t>
             </a:fld>
             <a:endParaRPr lang="en-US"/>
           </a:p>
@@ -1902,7 +1902,7 @@
           <a:p>
             <a:fld id="{BA9FF27D-2AED-41EB-8EEF-71F113334AB9}" type="datetimeFigureOut">
               <a:rPr lang="en-US" smtClean="0"/>
-              <a:t>3/3/2017</a:t>
+              <a:t>3/3/17</a:t>
             </a:fld>
             <a:endParaRPr lang="en-US"/>
           </a:p>
@@ -1997,7 +1997,7 @@
           <a:p>
             <a:fld id="{BA9FF27D-2AED-41EB-8EEF-71F113334AB9}" type="datetimeFigureOut">
               <a:rPr lang="en-US" smtClean="0"/>
-              <a:t>3/3/2017</a:t>
+              <a:t>3/3/17</a:t>
             </a:fld>
             <a:endParaRPr lang="en-US"/>
           </a:p>
@@ -2272,7 +2272,7 @@
           <a:p>
             <a:fld id="{BA9FF27D-2AED-41EB-8EEF-71F113334AB9}" type="datetimeFigureOut">
               <a:rPr lang="en-US" smtClean="0"/>
-              <a:t>3/3/2017</a:t>
+              <a:t>3/3/17</a:t>
             </a:fld>
             <a:endParaRPr lang="en-US"/>
           </a:p>
@@ -2524,7 +2524,7 @@
           <a:p>
             <a:fld id="{BA9FF27D-2AED-41EB-8EEF-71F113334AB9}" type="datetimeFigureOut">
               <a:rPr lang="en-US" smtClean="0"/>
-              <a:t>3/3/2017</a:t>
+              <a:t>3/3/17</a:t>
             </a:fld>
             <a:endParaRPr lang="en-US"/>
           </a:p>
@@ -2735,7 +2735,7 @@
           <a:p>
             <a:fld id="{BA9FF27D-2AED-41EB-8EEF-71F113334AB9}" type="datetimeFigureOut">
               <a:rPr lang="en-US" smtClean="0"/>
-              <a:t>3/3/2017</a:t>
+              <a:t>3/3/17</a:t>
             </a:fld>
             <a:endParaRPr lang="en-US"/>
           </a:p>
@@ -3424,58 +3424,36 @@
           </a:p>
         </p:txBody>
       </p:sp>
-      <p:sp>
-        <p:nvSpPr>
-          <p:cNvPr id="4" name="TextBox 3"/>
-          <p:cNvSpPr txBox="1"/>
+      <p:pic>
+        <p:nvPicPr>
+          <p:cNvPr id="5" name="Picture 4"/>
+          <p:cNvPicPr>
+            <a:picLocks noChangeAspect="1"/>
+          </p:cNvPicPr>
           <p:nvPr/>
-        </p:nvSpPr>
+        </p:nvPicPr>
+        <p:blipFill>
+          <a:blip r:embed="rId2">
+            <a:extLst>
+              <a:ext uri="{28A0092B-C50C-407E-A947-70E740481C1C}">
+                <a14:useLocalDpi xmlns:a14="http://schemas.microsoft.com/office/drawing/2010/main" val="0"/>
+              </a:ext>
+            </a:extLst>
+          </a:blip>
+          <a:stretch>
+            <a:fillRect/>
+          </a:stretch>
+        </p:blipFill>
         <p:spPr>
           <a:xfrm>
-            <a:off x="8512935" y="3258355"/>
-            <a:ext cx="2686056" cy="646331"/>
+            <a:off x="9002642" y="1825625"/>
+            <a:ext cx="2726615" cy="4238978"/>
           </a:xfrm>
           <a:prstGeom prst="rect">
             <a:avLst/>
           </a:prstGeom>
-          <a:noFill/>
         </p:spPr>
-        <p:txBody>
-          <a:bodyPr wrap="none" rtlCol="0">
-            <a:spAutoFit/>
-          </a:bodyPr>
-          <a:lstStyle/>
-          <a:p>
-            <a:r>
-              <a:rPr lang="en-US" dirty="0" err="1"/>
-              <a:t>Yeta</a:t>
-            </a:r>
-            <a:r>
-              <a:rPr lang="en-US" dirty="0"/>
-              <a:t> mobile </a:t>
-            </a:r>
-            <a:r>
-              <a:rPr lang="en-US" dirty="0" err="1"/>
-              <a:t>ko</a:t>
-            </a:r>
-            <a:r>
-              <a:rPr lang="en-US" dirty="0"/>
-              <a:t> screen shot</a:t>
-            </a:r>
-          </a:p>
-          <a:p>
-            <a:r>
-              <a:rPr lang="en-US" dirty="0" err="1"/>
-              <a:t>Euta</a:t>
-            </a:r>
-            <a:r>
-              <a:rPr lang="en-US"/>
-              <a:t> </a:t>
-            </a:r>
-            <a:endParaRPr lang="en-US"/>
-          </a:p>
-        </p:txBody>
-      </p:sp>
+      </p:pic>
     </p:spTree>
     <p:extLst>
       <p:ext uri="{BB962C8B-B14F-4D97-AF65-F5344CB8AC3E}">

--- a/hackathon showcasing presentation template.pptx
+++ b/hackathon showcasing presentation template.pptx
@@ -3285,7 +3285,11 @@
           <a:bodyPr/>
           <a:lstStyle/>
           <a:p>
-            <a:endParaRPr lang="en-US"/>
+            <a:pPr algn="ctr"/>
+            <a:r>
+              <a:rPr lang="en-US" dirty="0"/>
+              <a:t>(Contact and Interact)</a:t>
+            </a:r>
           </a:p>
         </p:txBody>
       </p:sp>
@@ -3307,7 +3311,7 @@
         </p:blipFill>
         <p:spPr>
           <a:xfrm>
-            <a:off x="1390655" y="1168802"/>
+            <a:off x="1390655" y="1690688"/>
             <a:ext cx="9410690" cy="4351338"/>
           </a:xfrm>
           <a:prstGeom prst="rect">
@@ -3433,7 +3437,7 @@
         <p:spPr>
           <a:xfrm>
             <a:off x="8512935" y="3258355"/>
-            <a:ext cx="2686056" cy="646331"/>
+            <a:ext cx="184731" cy="369332"/>
           </a:xfrm>
           <a:prstGeom prst="rect">
             <a:avLst/>
@@ -3446,33 +3450,7 @@
           </a:bodyPr>
           <a:lstStyle/>
           <a:p>
-            <a:r>
-              <a:rPr lang="en-US" dirty="0" err="1"/>
-              <a:t>Yeta</a:t>
-            </a:r>
-            <a:r>
-              <a:rPr lang="en-US" dirty="0"/>
-              <a:t> mobile </a:t>
-            </a:r>
-            <a:r>
-              <a:rPr lang="en-US" dirty="0" err="1"/>
-              <a:t>ko</a:t>
-            </a:r>
-            <a:r>
-              <a:rPr lang="en-US" dirty="0"/>
-              <a:t> screen shot</a:t>
-            </a:r>
-          </a:p>
-          <a:p>
-            <a:r>
-              <a:rPr lang="en-US" dirty="0" err="1"/>
-              <a:t>Euta</a:t>
-            </a:r>
-            <a:r>
-              <a:rPr lang="en-US"/>
-              <a:t> </a:t>
-            </a:r>
-            <a:endParaRPr lang="en-US"/>
+            <a:endParaRPr lang="en-US" dirty="0"/>
           </a:p>
         </p:txBody>
       </p:sp>
@@ -4256,7 +4234,11 @@
           <a:bodyPr/>
           <a:lstStyle/>
           <a:p>
-            <a:endParaRPr lang="en-US"/>
+            <a:pPr algn="ctr"/>
+            <a:r>
+              <a:rPr lang="en-US" dirty="0"/>
+              <a:t>(Health Center)</a:t>
+            </a:r>
           </a:p>
         </p:txBody>
       </p:sp>
@@ -4348,7 +4330,11 @@
           <a:bodyPr/>
           <a:lstStyle/>
           <a:p>
-            <a:endParaRPr lang="en-US"/>
+            <a:pPr algn="ctr"/>
+            <a:r>
+              <a:rPr lang="en-US" dirty="0"/>
+              <a:t>(Location Map)</a:t>
+            </a:r>
           </a:p>
         </p:txBody>
       </p:sp>

--- a/hackathon showcasing presentation template.pptx
+++ b/hackathon showcasing presentation template.pptx
@@ -251,7 +251,7 @@
           <a:p>
             <a:fld id="{BA9FF27D-2AED-41EB-8EEF-71F113334AB9}" type="datetimeFigureOut">
               <a:rPr lang="en-US" smtClean="0"/>
-              <a:t>3/3/17</a:t>
+              <a:t>3/4/17</a:t>
             </a:fld>
             <a:endParaRPr lang="en-US"/>
           </a:p>
@@ -449,7 +449,7 @@
           <a:p>
             <a:fld id="{BA9FF27D-2AED-41EB-8EEF-71F113334AB9}" type="datetimeFigureOut">
               <a:rPr lang="en-US" smtClean="0"/>
-              <a:t>3/3/17</a:t>
+              <a:t>3/4/17</a:t>
             </a:fld>
             <a:endParaRPr lang="en-US"/>
           </a:p>
@@ -627,7 +627,7 @@
           <a:p>
             <a:fld id="{BA9FF27D-2AED-41EB-8EEF-71F113334AB9}" type="datetimeFigureOut">
               <a:rPr lang="en-US" smtClean="0"/>
-              <a:t>3/3/17</a:t>
+              <a:t>3/4/17</a:t>
             </a:fld>
             <a:endParaRPr lang="en-US"/>
           </a:p>
@@ -795,7 +795,7 @@
           <a:p>
             <a:fld id="{BA9FF27D-2AED-41EB-8EEF-71F113334AB9}" type="datetimeFigureOut">
               <a:rPr lang="en-US" smtClean="0"/>
-              <a:t>3/3/17</a:t>
+              <a:t>3/4/17</a:t>
             </a:fld>
             <a:endParaRPr lang="en-US"/>
           </a:p>
@@ -1101,7 +1101,7 @@
           <a:p>
             <a:fld id="{BA9FF27D-2AED-41EB-8EEF-71F113334AB9}" type="datetimeFigureOut">
               <a:rPr lang="en-US" smtClean="0"/>
-              <a:t>3/3/17</a:t>
+              <a:t>3/4/17</a:t>
             </a:fld>
             <a:endParaRPr lang="en-US"/>
           </a:p>
@@ -1360,7 +1360,7 @@
           <a:p>
             <a:fld id="{BA9FF27D-2AED-41EB-8EEF-71F113334AB9}" type="datetimeFigureOut">
               <a:rPr lang="en-US" smtClean="0"/>
-              <a:t>3/3/17</a:t>
+              <a:t>3/4/17</a:t>
             </a:fld>
             <a:endParaRPr lang="en-US"/>
           </a:p>
@@ -1785,7 +1785,7 @@
           <a:p>
             <a:fld id="{BA9FF27D-2AED-41EB-8EEF-71F113334AB9}" type="datetimeFigureOut">
               <a:rPr lang="en-US" smtClean="0"/>
-              <a:t>3/3/17</a:t>
+              <a:t>3/4/17</a:t>
             </a:fld>
             <a:endParaRPr lang="en-US"/>
           </a:p>
@@ -1902,7 +1902,7 @@
           <a:p>
             <a:fld id="{BA9FF27D-2AED-41EB-8EEF-71F113334AB9}" type="datetimeFigureOut">
               <a:rPr lang="en-US" smtClean="0"/>
-              <a:t>3/3/17</a:t>
+              <a:t>3/4/17</a:t>
             </a:fld>
             <a:endParaRPr lang="en-US"/>
           </a:p>
@@ -1997,7 +1997,7 @@
           <a:p>
             <a:fld id="{BA9FF27D-2AED-41EB-8EEF-71F113334AB9}" type="datetimeFigureOut">
               <a:rPr lang="en-US" smtClean="0"/>
-              <a:t>3/3/17</a:t>
+              <a:t>3/4/17</a:t>
             </a:fld>
             <a:endParaRPr lang="en-US"/>
           </a:p>
@@ -2272,7 +2272,7 @@
           <a:p>
             <a:fld id="{BA9FF27D-2AED-41EB-8EEF-71F113334AB9}" type="datetimeFigureOut">
               <a:rPr lang="en-US" smtClean="0"/>
-              <a:t>3/3/17</a:t>
+              <a:t>3/4/17</a:t>
             </a:fld>
             <a:endParaRPr lang="en-US"/>
           </a:p>
@@ -2524,7 +2524,7 @@
           <a:p>
             <a:fld id="{BA9FF27D-2AED-41EB-8EEF-71F113334AB9}" type="datetimeFigureOut">
               <a:rPr lang="en-US" smtClean="0"/>
-              <a:t>3/3/17</a:t>
+              <a:t>3/4/17</a:t>
             </a:fld>
             <a:endParaRPr lang="en-US"/>
           </a:p>
@@ -2735,7 +2735,7 @@
           <a:p>
             <a:fld id="{BA9FF27D-2AED-41EB-8EEF-71F113334AB9}" type="datetimeFigureOut">
               <a:rPr lang="en-US" smtClean="0"/>
-              <a:t>3/3/17</a:t>
+              <a:t>3/4/17</a:t>
             </a:fld>
             <a:endParaRPr lang="en-US"/>
           </a:p>
@@ -3250,6 +3250,13 @@
   <p:clrMapOvr>
     <a:masterClrMapping/>
   </p:clrMapOvr>
+  <p:timing>
+    <p:tnLst>
+      <p:par>
+        <p:cTn id="1" dur="indefinite" restart="never" nodeType="tmRoot"/>
+      </p:par>
+    </p:tnLst>
+  </p:timing>
 </p:sld>
 </file>
 
@@ -3325,6 +3332,13 @@
   <p:clrMapOvr>
     <a:masterClrMapping/>
   </p:clrMapOvr>
+  <p:timing>
+    <p:tnLst>
+      <p:par>
+        <p:cTn id="1" dur="indefinite" restart="never" nodeType="tmRoot"/>
+      </p:par>
+    </p:tnLst>
+  </p:timing>
 </p:sld>
 </file>
 
@@ -3464,6 +3478,13 @@
   <p:clrMapOvr>
     <a:masterClrMapping/>
   </p:clrMapOvr>
+  <p:timing>
+    <p:tnLst>
+      <p:par>
+        <p:cTn id="1" dur="indefinite" restart="never" nodeType="tmRoot"/>
+      </p:par>
+    </p:tnLst>
+  </p:timing>
 </p:sld>
 </file>
 
@@ -3599,10 +3620,16 @@
               <a:buChar char="•"/>
             </a:pPr>
             <a:r>
+              <a:rPr lang="en-US" sz="2400" dirty="0" smtClean="0">
+                <a:latin typeface="Roboto" charset="0"/>
+              </a:rPr>
+              <a:t>Create </a:t>
+            </a:r>
+            <a:r>
               <a:rPr lang="en-US" sz="2400" dirty="0">
                 <a:latin typeface="Roboto" charset="0"/>
               </a:rPr>
-              <a:t>Creating Understanding among people about the disease.</a:t>
+              <a:t>Understanding among people about the disease.</a:t>
             </a:r>
             <a:endParaRPr lang="en-US" sz="2400" dirty="0"/>
           </a:p>
@@ -3618,6 +3645,13 @@
   <p:clrMapOvr>
     <a:masterClrMapping/>
   </p:clrMapOvr>
+  <p:timing>
+    <p:tnLst>
+      <p:par>
+        <p:cTn id="1" dur="indefinite" restart="never" nodeType="tmRoot"/>
+      </p:par>
+    </p:tnLst>
+  </p:timing>
 </p:sld>
 </file>
 
@@ -3768,6 +3802,13 @@
   <p:clrMapOvr>
     <a:masterClrMapping/>
   </p:clrMapOvr>
+  <p:timing>
+    <p:tnLst>
+      <p:par>
+        <p:cTn id="1" dur="indefinite" restart="never" nodeType="tmRoot"/>
+      </p:par>
+    </p:tnLst>
+  </p:timing>
 </p:sld>
 </file>
 
@@ -3835,12 +3876,28 @@
               <a:buChar char="•"/>
             </a:pPr>
             <a:r>
-              <a:rPr lang="en-US" sz="2400" dirty="0">
+              <a:rPr lang="en-US" sz="2400" dirty="0" smtClean="0">
                 <a:latin typeface="Roboto" charset="0"/>
                 <a:ea typeface="Roboto" charset="0"/>
                 <a:cs typeface="Roboto" charset="0"/>
               </a:rPr>
-              <a:t>Making people aware about HIV/AIDS.</a:t>
+              <a:t>Small Act </a:t>
+            </a:r>
+            <a:r>
+              <a:rPr lang="mr-IN" sz="2400" dirty="0" smtClean="0">
+                <a:latin typeface="Roboto" charset="0"/>
+                <a:ea typeface="Roboto" charset="0"/>
+                <a:cs typeface="Roboto" charset="0"/>
+              </a:rPr>
+              <a:t>–</a:t>
+            </a:r>
+            <a:r>
+              <a:rPr lang="en-US" sz="2400" dirty="0" smtClean="0">
+                <a:latin typeface="Roboto" charset="0"/>
+                <a:ea typeface="Roboto" charset="0"/>
+                <a:cs typeface="Roboto" charset="0"/>
+              </a:rPr>
+              <a:t> Big Impact.</a:t>
             </a:r>
           </a:p>
           <a:p>
@@ -3852,12 +3909,20 @@
               <a:buChar char="•"/>
             </a:pPr>
             <a:r>
+              <a:rPr lang="en-US" sz="2400" dirty="0" smtClean="0">
+                <a:latin typeface="Roboto" charset="0"/>
+                <a:ea typeface="Roboto" charset="0"/>
+                <a:cs typeface="Roboto" charset="0"/>
+              </a:rPr>
+              <a:t>Making </a:t>
+            </a:r>
+            <a:r>
               <a:rPr lang="en-US" sz="2400" dirty="0">
                 <a:latin typeface="Roboto" charset="0"/>
                 <a:ea typeface="Roboto" charset="0"/>
                 <a:cs typeface="Roboto" charset="0"/>
               </a:rPr>
-              <a:t>Get information about HIV/AIDS all in one portal.</a:t>
+              <a:t>people aware about HIV/AIDS.</a:t>
             </a:r>
           </a:p>
           <a:p>
@@ -3874,7 +3939,7 @@
                 <a:ea typeface="Roboto" charset="0"/>
                 <a:cs typeface="Roboto" charset="0"/>
               </a:rPr>
-              <a:t>Making people aware about HIV/AIDS.</a:t>
+              <a:t>Get information about HIV/AIDS all in one portal.</a:t>
             </a:r>
           </a:p>
           <a:p>
@@ -3886,12 +3951,20 @@
               <a:buChar char="•"/>
             </a:pPr>
             <a:r>
+              <a:rPr lang="en-US" sz="2400" smtClean="0">
+                <a:latin typeface="Roboto" charset="0"/>
+                <a:ea typeface="Roboto" charset="0"/>
+                <a:cs typeface="Roboto" charset="0"/>
+              </a:rPr>
+              <a:t>Doctor-patients </a:t>
+            </a:r>
+            <a:r>
               <a:rPr lang="en-US" sz="2400" dirty="0">
                 <a:latin typeface="Roboto" charset="0"/>
                 <a:ea typeface="Roboto" charset="0"/>
                 <a:cs typeface="Roboto" charset="0"/>
               </a:rPr>
-              <a:t>Doctor-patients contact.</a:t>
+              <a:t>contact.</a:t>
             </a:r>
           </a:p>
         </p:txBody>
@@ -3906,6 +3979,13 @@
   <p:clrMapOvr>
     <a:masterClrMapping/>
   </p:clrMapOvr>
+  <p:timing>
+    <p:tnLst>
+      <p:par>
+        <p:cTn id="1" dur="indefinite" restart="never" nodeType="tmRoot"/>
+      </p:par>
+    </p:tnLst>
+  </p:timing>
 </p:sld>
 </file>
 
@@ -4036,6 +4116,13 @@
   <p:clrMapOvr>
     <a:masterClrMapping/>
   </p:clrMapOvr>
+  <p:timing>
+    <p:tnLst>
+      <p:par>
+        <p:cTn id="1" dur="indefinite" restart="never" nodeType="tmRoot"/>
+      </p:par>
+    </p:tnLst>
+  </p:timing>
 </p:sld>
 </file>
 
@@ -4120,6 +4207,13 @@
   <p:clrMapOvr>
     <a:masterClrMapping/>
   </p:clrMapOvr>
+  <p:timing>
+    <p:tnLst>
+      <p:par>
+        <p:cTn id="1" dur="indefinite" restart="never" nodeType="tmRoot"/>
+      </p:par>
+    </p:tnLst>
+  </p:timing>
 </p:sld>
 </file>
 
@@ -4199,6 +4293,13 @@
   <p:clrMapOvr>
     <a:masterClrMapping/>
   </p:clrMapOvr>
+  <p:timing>
+    <p:tnLst>
+      <p:par>
+        <p:cTn id="1" dur="indefinite" restart="never" nodeType="tmRoot"/>
+      </p:par>
+    </p:tnLst>
+  </p:timing>
 </p:sld>
 </file>
 
@@ -4291,6 +4392,13 @@
   <p:clrMapOvr>
     <a:masterClrMapping/>
   </p:clrMapOvr>
+  <p:timing>
+    <p:tnLst>
+      <p:par>
+        <p:cTn id="1" dur="indefinite" restart="never" nodeType="tmRoot"/>
+      </p:par>
+    </p:tnLst>
+  </p:timing>
 </p:sld>
 </file>
 
@@ -4366,6 +4474,13 @@
   <p:clrMapOvr>
     <a:masterClrMapping/>
   </p:clrMapOvr>
+  <p:timing>
+    <p:tnLst>
+      <p:par>
+        <p:cTn id="1" dur="indefinite" restart="never" nodeType="tmRoot"/>
+      </p:par>
+    </p:tnLst>
+  </p:timing>
 </p:sld>
 </file>
 
